--- a/Context.pptx
+++ b/Context.pptx
@@ -692,7 +692,7 @@
       </p:grpSpPr>
       <p:sp>
         <p:nvSpPr>
-          <p:cNvPr id="156" name="Shape 156"/>
+          <p:cNvPr id="151" name="Shape 151"/>
           <p:cNvSpPr/>
           <p:nvPr>
             <p:ph type="sldImg"/>
@@ -713,7 +713,7 @@
       </p:sp>
       <p:sp>
         <p:nvSpPr>
-          <p:cNvPr id="157" name="Shape 157"/>
+          <p:cNvPr id="152" name="Shape 152"/>
           <p:cNvSpPr/>
           <p:nvPr>
             <p:ph type="body" sz="quarter" idx="1"/>
@@ -730,12 +730,7 @@
           <a:p>
             <a:pPr/>
             <a:r>
-              <a:t>Prop-drilling is the concept from the React community of taking props like above and just calling them in every child component till you get to the component you want to be able to access them on.</a:t>
-            </a:r>
-            <a:br/>
-            <a:br/>
-            <a:r>
-              <a:t>Context gets around this by Providing the props you need to the Consumer.</a:t>
+              <a:t>Consumer is synchronous.</a:t>
             </a:r>
           </a:p>
         </p:txBody>
@@ -767,7 +762,7 @@
       </p:grpSpPr>
       <p:sp>
         <p:nvSpPr>
-          <p:cNvPr id="161" name="Shape 161"/>
+          <p:cNvPr id="158" name="Shape 158"/>
           <p:cNvSpPr/>
           <p:nvPr>
             <p:ph type="sldImg"/>
@@ -788,7 +783,7 @@
       </p:sp>
       <p:sp>
         <p:nvSpPr>
-          <p:cNvPr id="162" name="Shape 162"/>
+          <p:cNvPr id="159" name="Shape 159"/>
           <p:cNvSpPr/>
           <p:nvPr>
             <p:ph type="body" sz="quarter" idx="1"/>
@@ -805,7 +800,157 @@
           <a:p>
             <a:pPr/>
             <a:r>
+              <a:t>Prop-drilling is the concept from the React community of taking props like above and just calling them in every child component till you get to the component you want to be able to access them on.</a:t>
+            </a:r>
+            <a:br/>
+            <a:br/>
+            <a:r>
+              <a:t>Context gets around this by Providing the props you need to the Consumer.</a:t>
+            </a:r>
+          </a:p>
+        </p:txBody>
+      </p:sp>
+    </p:spTree>
+  </p:cSld>
+  <p:clrMapOvr>
+    <a:masterClrMapping/>
+  </p:clrMapOvr>
+</p:notes>
+</file>
+
+<file path=ppt/notesSlides/notesSlide5.xml><?xml version="1.0" encoding="utf-8"?>
+<p:notes xmlns:a="http://schemas.openxmlformats.org/drawingml/2006/main" xmlns:r="http://schemas.openxmlformats.org/officeDocument/2006/relationships" xmlns:p="http://schemas.openxmlformats.org/presentationml/2006/main" showMasterSp="1" showMasterPhAnim="1">
+  <p:cSld>
+    <p:spTree>
+      <p:nvGrpSpPr>
+        <p:cNvPr id="1" name=""/>
+        <p:cNvGrpSpPr/>
+        <p:nvPr/>
+      </p:nvGrpSpPr>
+      <p:grpSpPr>
+        <a:xfrm>
+          <a:off x="0" y="0"/>
+          <a:ext cx="0" cy="0"/>
+          <a:chOff x="0" y="0"/>
+          <a:chExt cx="0" cy="0"/>
+        </a:xfrm>
+      </p:grpSpPr>
+      <p:sp>
+        <p:nvSpPr>
+          <p:cNvPr id="163" name="Shape 163"/>
+          <p:cNvSpPr/>
+          <p:nvPr>
+            <p:ph type="sldImg"/>
+          </p:nvPr>
+        </p:nvSpPr>
+        <p:spPr>
+          <a:prstGeom prst="rect">
+            <a:avLst/>
+          </a:prstGeom>
+        </p:spPr>
+        <p:txBody>
+          <a:bodyPr/>
+          <a:lstStyle/>
+          <a:p>
+            <a:pPr/>
+          </a:p>
+        </p:txBody>
+      </p:sp>
+      <p:sp>
+        <p:nvSpPr>
+          <p:cNvPr id="164" name="Shape 164"/>
+          <p:cNvSpPr/>
+          <p:nvPr>
+            <p:ph type="body" sz="quarter" idx="1"/>
+          </p:nvPr>
+        </p:nvSpPr>
+        <p:spPr>
+          <a:prstGeom prst="rect">
+            <a:avLst/>
+          </a:prstGeom>
+        </p:spPr>
+        <p:txBody>
+          <a:bodyPr/>
+          <a:lstStyle/>
+          <a:p>
+            <a:pPr/>
+            <a:r>
               <a:t>So I’m just gonna take you through 3 examples demonstrating some simple Context concepts.</a:t>
+            </a:r>
+          </a:p>
+        </p:txBody>
+      </p:sp>
+    </p:spTree>
+  </p:cSld>
+  <p:clrMapOvr>
+    <a:masterClrMapping/>
+  </p:clrMapOvr>
+</p:notes>
+</file>
+
+<file path=ppt/notesSlides/notesSlide6.xml><?xml version="1.0" encoding="utf-8"?>
+<p:notes xmlns:a="http://schemas.openxmlformats.org/drawingml/2006/main" xmlns:r="http://schemas.openxmlformats.org/officeDocument/2006/relationships" xmlns:p="http://schemas.openxmlformats.org/presentationml/2006/main" showMasterSp="1" showMasterPhAnim="1">
+  <p:cSld>
+    <p:spTree>
+      <p:nvGrpSpPr>
+        <p:cNvPr id="1" name=""/>
+        <p:cNvGrpSpPr/>
+        <p:nvPr/>
+      </p:nvGrpSpPr>
+      <p:grpSpPr>
+        <a:xfrm>
+          <a:off x="0" y="0"/>
+          <a:ext cx="0" cy="0"/>
+          <a:chOff x="0" y="0"/>
+          <a:chExt cx="0" cy="0"/>
+        </a:xfrm>
+      </p:grpSpPr>
+      <p:sp>
+        <p:nvSpPr>
+          <p:cNvPr id="168" name="Shape 168"/>
+          <p:cNvSpPr/>
+          <p:nvPr>
+            <p:ph type="sldImg"/>
+          </p:nvPr>
+        </p:nvSpPr>
+        <p:spPr>
+          <a:prstGeom prst="rect">
+            <a:avLst/>
+          </a:prstGeom>
+        </p:spPr>
+        <p:txBody>
+          <a:bodyPr/>
+          <a:lstStyle/>
+          <a:p>
+            <a:pPr/>
+          </a:p>
+        </p:txBody>
+      </p:sp>
+      <p:sp>
+        <p:nvSpPr>
+          <p:cNvPr id="169" name="Shape 169"/>
+          <p:cNvSpPr/>
+          <p:nvPr>
+            <p:ph type="body" sz="quarter" idx="1"/>
+          </p:nvPr>
+        </p:nvSpPr>
+        <p:spPr>
+          <a:prstGeom prst="rect">
+            <a:avLst/>
+          </a:prstGeom>
+        </p:spPr>
+        <p:txBody>
+          <a:bodyPr/>
+          <a:lstStyle/>
+          <a:p>
+            <a:pPr/>
+            <a:r>
+              <a:t>I think the whys are important, but more importantly, this API provides some really nice building blocks for future React development. </a:t>
+            </a:r>
+            <a:br/>
+            <a:br/>
+            <a:r>
+              <a:t>Notably asynchronous rendering will be built off the context api to allow us to async render components.</a:t>
             </a:r>
           </a:p>
         </p:txBody>
@@ -3457,7 +3602,7 @@
       </p:grpSpPr>
       <p:sp>
         <p:nvSpPr>
-          <p:cNvPr id="170" name="Thanks!!!"/>
+          <p:cNvPr id="174" name="Thanks!!!"/>
           <p:cNvSpPr txBox="1"/>
           <p:nvPr>
             <p:ph type="title"/>
@@ -4755,7 +4900,7 @@
       </p:grpSpPr>
       <p:sp>
         <p:nvSpPr>
-          <p:cNvPr id="152" name="To this!…"/>
+          <p:cNvPr id="154" name="To this!…"/>
           <p:cNvSpPr txBox="1"/>
           <p:nvPr/>
         </p:nvSpPr>
@@ -5310,7 +5455,7 @@
       </p:sp>
       <p:sp>
         <p:nvSpPr>
-          <p:cNvPr id="153" name="From this!…"/>
+          <p:cNvPr id="155" name="From this!…"/>
           <p:cNvSpPr txBox="1"/>
           <p:nvPr/>
         </p:nvSpPr>
@@ -6061,7 +6206,7 @@
       </p:sp>
       <p:sp>
         <p:nvSpPr>
-          <p:cNvPr id="154" name="😎 What’s cool about it? 😎"/>
+          <p:cNvPr id="156" name="😎 What’s cool about it? 😎"/>
           <p:cNvSpPr txBox="1"/>
           <p:nvPr>
             <p:ph type="title"/>
@@ -6105,7 +6250,7 @@
       </p:sp>
       <p:sp>
         <p:nvSpPr>
-          <p:cNvPr id="155" name="It’s super simple! 😍…"/>
+          <p:cNvPr id="157" name="It’s super simple! 😍…"/>
           <p:cNvSpPr txBox="1"/>
           <p:nvPr>
             <p:ph type="body" idx="1"/>
@@ -6752,7 +6897,7 @@
                                       <p:cBhvr>
                                         <p:cTn id="6" fill="hold"/>
                                         <p:tgtEl>
-                                          <p:spTgt spid="153"/>
+                                          <p:spTgt spid="155"/>
                                         </p:tgtEl>
                                         <p:attrNameLst>
                                           <p:attrName>style.visibility</p:attrName>
@@ -6787,7 +6932,7 @@
                                       <p:cBhvr>
                                         <p:cTn id="9" fill="hold"/>
                                         <p:tgtEl>
-                                          <p:spTgt spid="155"/>
+                                          <p:spTgt spid="157"/>
                                         </p:tgtEl>
                                         <p:attrNameLst>
                                           <p:attrName>style.visibility</p:attrName>
@@ -6835,7 +6980,7 @@
                                           </p:stCondLst>
                                         </p:cTn>
                                         <p:tgtEl>
-                                          <p:spTgt spid="153"/>
+                                          <p:spTgt spid="155"/>
                                         </p:tgtEl>
                                         <p:attrNameLst>
                                           <p:attrName>style.visibility</p:attrName>
@@ -6870,7 +7015,7 @@
                                       <p:cBhvr>
                                         <p:cTn id="16" fill="hold"/>
                                         <p:tgtEl>
-                                          <p:spTgt spid="152"/>
+                                          <p:spTgt spid="154"/>
                                         </p:tgtEl>
                                         <p:attrNameLst>
                                           <p:attrName>style.visibility</p:attrName>
@@ -6911,10 +7056,10 @@
       </p:par>
     </p:tnLst>
     <p:bldLst>
-      <p:bldP build="whole" bldLvl="1" animBg="1" rev="0" advAuto="0" spid="155" grpId="2"/>
-      <p:bldP build="whole" bldLvl="1" animBg="1" rev="0" advAuto="0" spid="153" grpId="3"/>
-      <p:bldP build="whole" bldLvl="1" animBg="1" rev="0" advAuto="0" spid="152" grpId="4"/>
-      <p:bldP build="whole" bldLvl="1" animBg="1" rev="0" advAuto="0" spid="153" grpId="1"/>
+      <p:bldP build="whole" bldLvl="1" animBg="1" rev="0" advAuto="0" spid="154" grpId="4"/>
+      <p:bldP build="whole" bldLvl="1" animBg="1" rev="0" advAuto="0" spid="155" grpId="3"/>
+      <p:bldP build="whole" bldLvl="1" animBg="1" rev="0" advAuto="0" spid="157" grpId="2"/>
+      <p:bldP build="whole" bldLvl="1" animBg="1" rev="0" advAuto="0" spid="155" grpId="1"/>
     </p:bldLst>
   </p:timing>
 </p:sld>
@@ -6946,7 +7091,7 @@
       </p:grpSpPr>
       <p:sp>
         <p:nvSpPr>
-          <p:cNvPr id="159" name="Example time!"/>
+          <p:cNvPr id="161" name="Example time!"/>
           <p:cNvSpPr txBox="1"/>
           <p:nvPr>
             <p:ph type="title"/>
@@ -6974,7 +7119,7 @@
       </p:sp>
       <p:pic>
         <p:nvPicPr>
-          <p:cNvPr id="160" name="Finn-PNG-Photos.png" descr="Finn-PNG-Photos.png"/>
+          <p:cNvPr id="162" name="Finn-PNG-Photos.png" descr="Finn-PNG-Photos.png"/>
           <p:cNvPicPr>
             <a:picLocks noChangeAspect="1"/>
           </p:cNvPicPr>
@@ -7036,7 +7181,7 @@
       </p:grpSpPr>
       <p:sp>
         <p:nvSpPr>
-          <p:cNvPr id="164" name="Why would I use this? 🤔"/>
+          <p:cNvPr id="166" name="Why would I use this? 🤔"/>
           <p:cNvSpPr txBox="1"/>
           <p:nvPr>
             <p:ph type="title"/>
@@ -7071,7 +7216,7 @@
       </p:sp>
       <p:sp>
         <p:nvSpPr>
-          <p:cNvPr id="165" name="Redux/ MobX is overkill for your project.…"/>
+          <p:cNvPr id="167" name="Redux/ MobX is overkill for your project.…"/>
           <p:cNvSpPr txBox="1"/>
           <p:nvPr>
             <p:ph type="body" idx="1"/>
@@ -7150,7 +7295,7 @@
       </p:grpSpPr>
       <p:sp>
         <p:nvSpPr>
-          <p:cNvPr id="167" name="How can I use this?"/>
+          <p:cNvPr id="171" name="How can I use this?"/>
           <p:cNvSpPr txBox="1"/>
           <p:nvPr>
             <p:ph type="title"/>
@@ -7174,13 +7319,17 @@
       </p:sp>
       <p:sp>
         <p:nvSpPr>
-          <p:cNvPr id="168" name="Upgrade to React @ 16.3.…"/>
+          <p:cNvPr id="172" name="Upgrade to React @ 16.3.…"/>
           <p:cNvSpPr txBox="1"/>
           <p:nvPr>
-            <p:ph type="body" idx="1"/>
+            <p:ph type="body" sz="half" idx="1"/>
           </p:nvPr>
         </p:nvSpPr>
         <p:spPr>
+          <a:xfrm>
+            <a:off x="1114050" y="2888461"/>
+            <a:ext cx="11099801" cy="3976678"/>
+          </a:xfrm>
           <a:prstGeom prst="rect">
             <a:avLst/>
           </a:prstGeom>
